--- a/slides/WSTA_L9_distributional_semantics.pptx
+++ b/slides/WSTA_L9_distributional_semantics.pptx
@@ -895,7 +895,7 @@
           </a:ln>
           <a:extLst>
             <a:ext uri="{C572A759-6A51-4108-AA02-DFA0A04FC94B}">
-              <ma14:wrappingTextBoxFlag xmlns:ma14="http://schemas.microsoft.com/office/mac/drawingml/2011/main" xmlns="" val="1"/>
+              <ma14:wrappingTextBoxFlag xmlns="" xmlns:ma14="http://schemas.microsoft.com/office/mac/drawingml/2011/main" val="1"/>
             </a:ext>
           </a:extLst>
         </p:spPr>
@@ -2573,7 +2573,7 @@
           </a:ln>
           <a:extLst>
             <a:ext uri="{C572A759-6A51-4108-AA02-DFA0A04FC94B}">
-              <ma14:wrappingTextBoxFlag xmlns:ma14="http://schemas.microsoft.com/office/mac/drawingml/2011/main" xmlns="" val="1"/>
+              <ma14:wrappingTextBoxFlag xmlns="" xmlns:ma14="http://schemas.microsoft.com/office/mac/drawingml/2011/main" val="1"/>
             </a:ext>
           </a:extLst>
         </p:spPr>
@@ -2613,7 +2613,7 @@
           </a:ln>
           <a:extLst>
             <a:ext uri="{C572A759-6A51-4108-AA02-DFA0A04FC94B}">
-              <ma14:wrappingTextBoxFlag xmlns:ma14="http://schemas.microsoft.com/office/mac/drawingml/2011/main" xmlns="" val="1"/>
+              <ma14:wrappingTextBoxFlag xmlns="" xmlns:ma14="http://schemas.microsoft.com/office/mac/drawingml/2011/main" val="1"/>
             </a:ext>
           </a:extLst>
         </p:spPr>
@@ -2705,6 +2705,58 @@
               <a:t>‹#›</a:t>
             </a:fld>
             <a:endParaRPr/>
+          </a:p>
+        </p:txBody>
+      </p:sp>
+      <p:sp>
+        <p:nvSpPr>
+          <p:cNvPr id="5" name="Rectangle 4"/>
+          <p:cNvSpPr/>
+          <p:nvPr userDrawn="1"/>
+        </p:nvSpPr>
+        <p:spPr>
+          <a:xfrm>
+            <a:off x="309712" y="9125272"/>
+            <a:ext cx="5553572" cy="378565"/>
+          </a:xfrm>
+          <a:prstGeom prst="rect">
+            <a:avLst/>
+          </a:prstGeom>
+        </p:spPr>
+        <p:txBody>
+          <a:bodyPr wrap="none">
+            <a:spAutoFit/>
+          </a:bodyPr>
+          <a:lstStyle/>
+          <a:p>
+            <a:r>
+              <a:rPr lang="en-US" sz="2000" b="0" i="0" u="none" strike="noStrike" cap="all" spc="0" baseline="0" dirty="0" smtClean="0">
+                <a:ln>
+                  <a:noFill/>
+                </a:ln>
+                <a:solidFill>
+                  <a:srgbClr val="A6AAA9"/>
+                </a:solidFill>
+                <a:uFillTx/>
+                <a:latin typeface="Arial Narrow" panose="020B0606020202030204" pitchFamily="34" charset="0"/>
+                <a:ea typeface="Arial Narrow" panose="020B0606020202030204" pitchFamily="34" charset="0"/>
+                <a:cs typeface="Arial Narrow" panose="020B0606020202030204" pitchFamily="34" charset="0"/>
+                <a:sym typeface="DIN Alternate"/>
+              </a:rPr>
+              <a:t>Copyright 2017, The University of Melbourne</a:t>
+            </a:r>
+            <a:endParaRPr lang="en-US" sz="2000" b="0" i="0" u="none" strike="noStrike" kern="1200" cap="all" spc="0" baseline="0" dirty="0">
+              <a:ln>
+                <a:noFill/>
+              </a:ln>
+              <a:solidFill>
+                <a:srgbClr val="A6AAA9"/>
+              </a:solidFill>
+              <a:uFillTx/>
+              <a:latin typeface="Arial Narrow" panose="020B0606020202030204" pitchFamily="34" charset="0"/>
+              <a:ea typeface="Arial Narrow" panose="020B0606020202030204" pitchFamily="34" charset="0"/>
+              <a:cs typeface="Arial Narrow" panose="020B0606020202030204" pitchFamily="34" charset="0"/>
+            </a:endParaRPr>
           </a:p>
         </p:txBody>
       </p:sp>
@@ -3847,7 +3899,7 @@
 </file>
 
 <file path=ppt/slides/slide11.xml><?xml version="1.0" encoding="utf-8"?>
-<p:sld xmlns:a="http://schemas.openxmlformats.org/drawingml/2006/main" xmlns:r="http://schemas.openxmlformats.org/officeDocument/2006/relationships" xmlns:p="http://schemas.openxmlformats.org/presentationml/2006/main">
+<p:sld xmlns:a="http://schemas.openxmlformats.org/drawingml/2006/main" xmlns:r="http://schemas.openxmlformats.org/officeDocument/2006/relationships" xmlns:p="http://schemas.openxmlformats.org/presentationml/2006/main" showMasterPhAnim="0">
   <p:cSld>
     <p:spTree>
       <p:nvGrpSpPr>
@@ -4994,13 +5046,13 @@
           <p:nvPr>
             <p:extLst>
               <p:ext uri="{D42A27DB-BD31-4B8C-83A1-F6EECF244321}">
-                <p14:modId xmlns:p14="http://schemas.microsoft.com/office/powerpoint/2010/main" val="2518261336"/>
+                <p14:modId xmlns:p14="http://schemas.microsoft.com/office/powerpoint/2010/main" val="2745962703"/>
               </p:ext>
             </p:extLst>
           </p:nvPr>
         </p:nvGraphicFramePr>
         <p:xfrm>
-          <a:off x="5350272" y="6172944"/>
+          <a:off x="5350271" y="5884912"/>
           <a:ext cx="7128793" cy="3124721"/>
         </p:xfrm>
         <a:graphic>
@@ -6062,7 +6114,7 @@
                             </p:stCondLst>
                             <p:childTnLst>
                               <p:par>
-                                <p:cTn id="5" presetID="1" presetClass="entr" presetSubtype="0" fill="hold" nodeType="clickEffect">
+                                <p:cTn id="5" presetID="1" presetClass="entr" presetSubtype="0" fill="hold" grpId="0" nodeType="clickEffect">
                                   <p:stCondLst>
                                     <p:cond delay="0"/>
                                   </p:stCondLst>
@@ -6075,7 +6127,156 @@
                                           </p:stCondLst>
                                         </p:cTn>
                                         <p:tgtEl>
-                                          <p:spTgt spid="4"/>
+                                          <p:spTgt spid="3">
+                                            <p:bg/>
+                                          </p:spTgt>
+                                        </p:tgtEl>
+                                        <p:attrNameLst>
+                                          <p:attrName>style.visibility</p:attrName>
+                                        </p:attrNameLst>
+                                      </p:cBhvr>
+                                      <p:to>
+                                        <p:strVal val="visible"/>
+                                      </p:to>
+                                    </p:set>
+                                  </p:childTnLst>
+                                </p:cTn>
+                              </p:par>
+                            </p:childTnLst>
+                          </p:cTn>
+                        </p:par>
+                      </p:childTnLst>
+                    </p:cTn>
+                  </p:par>
+                  <p:par>
+                    <p:cTn id="7" fill="hold">
+                      <p:stCondLst>
+                        <p:cond delay="indefinite"/>
+                      </p:stCondLst>
+                      <p:childTnLst>
+                        <p:par>
+                          <p:cTn id="8" fill="hold">
+                            <p:stCondLst>
+                              <p:cond delay="0"/>
+                            </p:stCondLst>
+                            <p:childTnLst>
+                              <p:par>
+                                <p:cTn id="9" presetID="1" presetClass="entr" presetSubtype="0" fill="hold" grpId="0" nodeType="clickEffect">
+                                  <p:stCondLst>
+                                    <p:cond delay="0"/>
+                                  </p:stCondLst>
+                                  <p:childTnLst>
+                                    <p:set>
+                                      <p:cBhvr>
+                                        <p:cTn id="10" dur="1" fill="hold">
+                                          <p:stCondLst>
+                                            <p:cond delay="0"/>
+                                          </p:stCondLst>
+                                        </p:cTn>
+                                        <p:tgtEl>
+                                          <p:spTgt spid="3">
+                                            <p:txEl>
+                                              <p:pRg st="0" end="0"/>
+                                            </p:txEl>
+                                          </p:spTgt>
+                                        </p:tgtEl>
+                                        <p:attrNameLst>
+                                          <p:attrName>style.visibility</p:attrName>
+                                        </p:attrNameLst>
+                                      </p:cBhvr>
+                                      <p:to>
+                                        <p:strVal val="visible"/>
+                                      </p:to>
+                                    </p:set>
+                                  </p:childTnLst>
+                                </p:cTn>
+                              </p:par>
+                            </p:childTnLst>
+                          </p:cTn>
+                        </p:par>
+                      </p:childTnLst>
+                    </p:cTn>
+                  </p:par>
+                  <p:par>
+                    <p:cTn id="11" fill="hold">
+                      <p:stCondLst>
+                        <p:cond delay="indefinite"/>
+                      </p:stCondLst>
+                      <p:childTnLst>
+                        <p:par>
+                          <p:cTn id="12" fill="hold">
+                            <p:stCondLst>
+                              <p:cond delay="0"/>
+                            </p:stCondLst>
+                            <p:childTnLst>
+                              <p:par>
+                                <p:cTn id="13" presetID="1" presetClass="entr" presetSubtype="0" fill="hold" grpId="0" nodeType="clickEffect">
+                                  <p:stCondLst>
+                                    <p:cond delay="0"/>
+                                  </p:stCondLst>
+                                  <p:childTnLst>
+                                    <p:set>
+                                      <p:cBhvr>
+                                        <p:cTn id="14" dur="1" fill="hold">
+                                          <p:stCondLst>
+                                            <p:cond delay="0"/>
+                                          </p:stCondLst>
+                                        </p:cTn>
+                                        <p:tgtEl>
+                                          <p:spTgt spid="3">
+                                            <p:txEl>
+                                              <p:pRg st="1" end="1"/>
+                                            </p:txEl>
+                                          </p:spTgt>
+                                        </p:tgtEl>
+                                        <p:attrNameLst>
+                                          <p:attrName>style.visibility</p:attrName>
+                                        </p:attrNameLst>
+                                      </p:cBhvr>
+                                      <p:to>
+                                        <p:strVal val="visible"/>
+                                      </p:to>
+                                    </p:set>
+                                  </p:childTnLst>
+                                </p:cTn>
+                              </p:par>
+                            </p:childTnLst>
+                          </p:cTn>
+                        </p:par>
+                      </p:childTnLst>
+                    </p:cTn>
+                  </p:par>
+                  <p:par>
+                    <p:cTn id="15" fill="hold">
+                      <p:stCondLst>
+                        <p:cond delay="indefinite"/>
+                      </p:stCondLst>
+                      <p:childTnLst>
+                        <p:par>
+                          <p:cTn id="16" fill="hold">
+                            <p:stCondLst>
+                              <p:cond delay="0"/>
+                            </p:stCondLst>
+                            <p:childTnLst>
+                              <p:par>
+                                <p:cTn id="17" presetID="1" presetClass="entr" presetSubtype="0" fill="hold" grpId="0" nodeType="clickEffect">
+                                  <p:stCondLst>
+                                    <p:cond delay="0"/>
+                                  </p:stCondLst>
+                                  <p:childTnLst>
+                                    <p:set>
+                                      <p:cBhvr>
+                                        <p:cTn id="18" dur="1" fill="hold">
+                                          <p:stCondLst>
+                                            <p:cond delay="0"/>
+                                          </p:stCondLst>
+                                        </p:cTn>
+                                        <p:tgtEl>
+                                          <p:spTgt spid="3">
+                                            <p:txEl>
+                                              <p:pRg st="2" end="2"/>
+                                            </p:txEl>
+                                          </p:spTgt>
                                         </p:tgtEl>
                                         <p:attrNameLst>
                                           <p:attrName>style.visibility</p:attrName>
@@ -6089,20 +6290,96 @@
                                 </p:cTn>
                               </p:par>
                               <p:par>
-                                <p:cTn id="7" presetID="1" presetClass="entr" presetSubtype="0" fill="hold" nodeType="withEffect">
+                                <p:cTn id="19" presetID="1" presetClass="entr" presetSubtype="0" fill="hold" nodeType="withEffect">
                                   <p:stCondLst>
                                     <p:cond delay="0"/>
                                   </p:stCondLst>
                                   <p:childTnLst>
                                     <p:set>
                                       <p:cBhvr>
-                                        <p:cTn id="8" dur="1" fill="hold">
+                                        <p:cTn id="20" dur="1" fill="hold">
                                           <p:stCondLst>
                                             <p:cond delay="0"/>
                                           </p:stCondLst>
                                         </p:cTn>
                                         <p:tgtEl>
                                           <p:spTgt spid="5"/>
+                                        </p:tgtEl>
+                                        <p:attrNameLst>
+                                          <p:attrName>style.visibility</p:attrName>
+                                        </p:attrNameLst>
+                                      </p:cBhvr>
+                                      <p:to>
+                                        <p:strVal val="visible"/>
+                                      </p:to>
+                                    </p:set>
+                                  </p:childTnLst>
+                                </p:cTn>
+                              </p:par>
+                            </p:childTnLst>
+                          </p:cTn>
+                        </p:par>
+                      </p:childTnLst>
+                    </p:cTn>
+                  </p:par>
+                  <p:par>
+                    <p:cTn id="21" fill="hold">
+                      <p:stCondLst>
+                        <p:cond delay="indefinite"/>
+                      </p:stCondLst>
+                      <p:childTnLst>
+                        <p:par>
+                          <p:cTn id="22" fill="hold">
+                            <p:stCondLst>
+                              <p:cond delay="0"/>
+                            </p:stCondLst>
+                            <p:childTnLst>
+                              <p:par>
+                                <p:cTn id="23" presetID="1" presetClass="entr" presetSubtype="0" fill="hold" grpId="0" nodeType="clickEffect">
+                                  <p:stCondLst>
+                                    <p:cond delay="0"/>
+                                  </p:stCondLst>
+                                  <p:childTnLst>
+                                    <p:set>
+                                      <p:cBhvr>
+                                        <p:cTn id="24" dur="1" fill="hold">
+                                          <p:stCondLst>
+                                            <p:cond delay="0"/>
+                                          </p:stCondLst>
+                                        </p:cTn>
+                                        <p:tgtEl>
+                                          <p:spTgt spid="3">
+                                            <p:txEl>
+                                              <p:pRg st="3" end="3"/>
+                                            </p:txEl>
+                                          </p:spTgt>
+                                        </p:tgtEl>
+                                        <p:attrNameLst>
+                                          <p:attrName>style.visibility</p:attrName>
+                                        </p:attrNameLst>
+                                      </p:cBhvr>
+                                      <p:to>
+                                        <p:strVal val="visible"/>
+                                      </p:to>
+                                    </p:set>
+                                  </p:childTnLst>
+                                </p:cTn>
+                              </p:par>
+                              <p:par>
+                                <p:cTn id="25" presetID="1" presetClass="entr" presetSubtype="0" fill="hold" nodeType="withEffect">
+                                  <p:stCondLst>
+                                    <p:cond delay="0"/>
+                                  </p:stCondLst>
+                                  <p:childTnLst>
+                                    <p:set>
+                                      <p:cBhvr>
+                                        <p:cTn id="26" dur="1" fill="hold">
+                                          <p:stCondLst>
+                                            <p:cond delay="0"/>
+                                          </p:stCondLst>
+                                        </p:cTn>
+                                        <p:tgtEl>
+                                          <p:spTgt spid="4"/>
                                         </p:tgtEl>
                                         <p:attrNameLst>
                                           <p:attrName>style.visibility</p:attrName>
@@ -6142,6 +6419,9 @@
         </p:cTn>
       </p:par>
     </p:tnLst>
+    <p:bldLst>
+      <p:bldP spid="3" grpId="0" uiExpand="1" build="p" animBg="1"/>
+    </p:bldLst>
   </p:timing>
 </p:sld>
 </file>
@@ -6326,13 +6606,13 @@
           <p:nvPr>
             <p:extLst>
               <p:ext uri="{D42A27DB-BD31-4B8C-83A1-F6EECF244321}">
-                <p14:modId xmlns:p14="http://schemas.microsoft.com/office/powerpoint/2010/main" val="4054343667"/>
+                <p14:modId xmlns:p14="http://schemas.microsoft.com/office/powerpoint/2010/main" val="1193856170"/>
               </p:ext>
             </p:extLst>
           </p:nvPr>
         </p:nvGraphicFramePr>
         <p:xfrm>
-          <a:off x="453728" y="4300736"/>
+          <a:off x="453728" y="3868688"/>
           <a:ext cx="6192688" cy="5184576"/>
         </p:xfrm>
         <a:graphic>
@@ -7866,13 +8146,13 @@
           <p:nvPr>
             <p:extLst>
               <p:ext uri="{D42A27DB-BD31-4B8C-83A1-F6EECF244321}">
-                <p14:modId xmlns:p14="http://schemas.microsoft.com/office/powerpoint/2010/main" val="529078314"/>
+                <p14:modId xmlns:p14="http://schemas.microsoft.com/office/powerpoint/2010/main" val="341988569"/>
               </p:ext>
             </p:extLst>
           </p:nvPr>
         </p:nvGraphicFramePr>
         <p:xfrm>
-          <a:off x="6862441" y="4300736"/>
+          <a:off x="6862441" y="4267443"/>
           <a:ext cx="5688632" cy="4176463"/>
         </p:xfrm>
         <a:graphic>
@@ -8340,7 +8620,7 @@
                     <a:p>
                       <a:r>
                         <a:rPr lang="en-AU" dirty="0" smtClean="0"/>
-                        <a:t>17.9</a:t>
+                        <a:t>25.8</a:t>
                       </a:r>
                       <a:endParaRPr lang="en-AU" dirty="0"/>
                     </a:p>
@@ -8354,7 +8634,7 @@
                     <a:p>
                       <a:r>
                         <a:rPr lang="en-AU" dirty="0" smtClean="0"/>
-                        <a:t>4.3</a:t>
+                        <a:t>6.2</a:t>
                       </a:r>
                       <a:endParaRPr lang="en-AU" dirty="0"/>
                     </a:p>
@@ -8465,7 +8745,7 @@
                     <a:p>
                       <a:r>
                         <a:rPr lang="en-AU" dirty="0" smtClean="0"/>
-                        <a:t>0</a:t>
+                        <a:t>5.2</a:t>
                       </a:r>
                       <a:endParaRPr lang="en-AU" dirty="0"/>
                     </a:p>
@@ -8618,8 +8898,8 @@
                     <a:lstStyle/>
                     <a:p>
                       <a:r>
-                        <a:rPr lang="en-AU" dirty="0" smtClean="0"/>
-                        <a:t>3.6</a:t>
+                        <a:rPr lang="en-AU" smtClean="0"/>
+                        <a:t>0</a:t>
                       </a:r>
                       <a:endParaRPr lang="en-AU" dirty="0"/>
                     </a:p>
@@ -8643,7 +8923,7 @@
                     <a:p>
                       <a:r>
                         <a:rPr lang="en-AU" dirty="0" smtClean="0"/>
-                        <a:t>21.3</a:t>
+                        <a:t>18.5</a:t>
                       </a:r>
                       <a:endParaRPr lang="en-AU" dirty="0"/>
                     </a:p>
@@ -8944,7 +9224,7 @@
         </p:nvSpPr>
         <p:spPr>
           <a:xfrm>
-            <a:off x="2829992" y="3220616"/>
+            <a:off x="2829992" y="2788568"/>
             <a:ext cx="2232248" cy="902811"/>
           </a:xfrm>
           <a:prstGeom prst="rect">
@@ -9051,7 +9331,7 @@
         </p:nvSpPr>
         <p:spPr>
           <a:xfrm>
-            <a:off x="8878664" y="3253909"/>
+            <a:off x="8878664" y="3220616"/>
             <a:ext cx="2736304" cy="902811"/>
           </a:xfrm>
           <a:prstGeom prst="rect">
@@ -9150,8 +9430,8 @@
           </a:p>
         </p:txBody>
       </p:sp>
-      <mc:AlternateContent xmlns:mc="http://schemas.openxmlformats.org/markup-compatibility/2006" xmlns:a14="http://schemas.microsoft.com/office/drawing/2010/main">
-        <mc:Choice Requires="a14">
+      <mc:AlternateContent xmlns:mc="http://schemas.openxmlformats.org/markup-compatibility/2006">
+        <mc:Choice xmlns:a14="http://schemas.microsoft.com/office/drawing/2010/main" Requires="a14">
           <p:sp>
             <p:nvSpPr>
               <p:cNvPr id="11" name="TextBox 10"/>
@@ -9160,8 +9440,8 @@
             </p:nvSpPr>
             <p:spPr>
               <a:xfrm>
-                <a:off x="7582520" y="2408523"/>
-                <a:ext cx="2531399" cy="1024768"/>
+                <a:off x="7582520" y="2422725"/>
+                <a:ext cx="2531399" cy="996363"/>
               </a:xfrm>
               <a:prstGeom prst="rect">
                 <a:avLst/>
@@ -9456,7 +9736,7 @@
             </p:txBody>
           </p:sp>
         </mc:Choice>
-        <mc:Fallback xmlns="">
+        <mc:Fallback>
           <p:sp>
             <p:nvSpPr>
               <p:cNvPr id="11" name="TextBox 10"/>
@@ -9467,14 +9747,14 @@
             </p:nvSpPr>
             <p:spPr>
               <a:xfrm>
-                <a:off x="7582520" y="2408523"/>
-                <a:ext cx="2531399" cy="1024768"/>
+                <a:off x="7582520" y="2422725"/>
+                <a:ext cx="2531399" cy="996363"/>
               </a:xfrm>
               <a:prstGeom prst="rect">
                 <a:avLst/>
               </a:prstGeom>
               <a:blipFill rotWithShape="1">
-                <a:blip r:embed="rId3"/>
+                <a:blip r:embed="rId2"/>
                 <a:stretch>
                   <a:fillRect/>
                 </a:stretch>
@@ -9918,7 +10198,7 @@
         </p:nvSpPr>
         <p:spPr>
           <a:xfrm>
-            <a:off x="901066" y="2883118"/>
+            <a:off x="901066" y="2379062"/>
             <a:ext cx="2865030" cy="2160240"/>
           </a:xfrm>
           <a:prstGeom prst="rect">
@@ -9988,8 +10268,8 @@
           </a:p>
         </p:txBody>
       </p:sp>
-      <mc:AlternateContent xmlns:mc="http://schemas.openxmlformats.org/markup-compatibility/2006" xmlns:a14="http://schemas.microsoft.com/office/drawing/2010/main">
-        <mc:Choice Requires="a14">
+      <mc:AlternateContent xmlns:mc="http://schemas.openxmlformats.org/markup-compatibility/2006">
+        <mc:Choice xmlns:a14="http://schemas.microsoft.com/office/drawing/2010/main" Requires="a14">
           <p:sp>
             <p:nvSpPr>
               <p:cNvPr id="7" name="TextBox 6"/>
@@ -9998,7 +10278,7 @@
             </p:nvSpPr>
             <p:spPr>
               <a:xfrm>
-                <a:off x="7399044" y="2718495"/>
+                <a:off x="7399044" y="2214439"/>
                 <a:ext cx="2487732" cy="718145"/>
               </a:xfrm>
               <a:prstGeom prst="rect">
@@ -10165,7 +10445,7 @@
             </p:txBody>
           </p:sp>
         </mc:Choice>
-        <mc:Fallback xmlns="">
+        <mc:Fallback>
           <p:sp>
             <p:nvSpPr>
               <p:cNvPr id="7" name="TextBox 6"/>
@@ -10176,7 +10456,7 @@
             </p:nvSpPr>
             <p:spPr>
               <a:xfrm>
-                <a:off x="7399044" y="2718495"/>
+                <a:off x="7399044" y="2214439"/>
                 <a:ext cx="2487732" cy="718145"/>
               </a:xfrm>
               <a:prstGeom prst="rect">
@@ -10217,7 +10497,7 @@
         </p:nvSpPr>
         <p:spPr>
           <a:xfrm>
-            <a:off x="4342160" y="3296389"/>
+            <a:off x="4342160" y="2792333"/>
             <a:ext cx="3600400" cy="1333698"/>
           </a:xfrm>
           <a:prstGeom prst="rect">
@@ -10341,7 +10621,7 @@
         </p:nvSpPr>
         <p:spPr>
           <a:xfrm>
-            <a:off x="1821880" y="1996480"/>
+            <a:off x="1821880" y="1492424"/>
             <a:ext cx="1224136" cy="902811"/>
           </a:xfrm>
           <a:prstGeom prst="rect">
@@ -10427,7 +10707,7 @@
         </p:nvSpPr>
         <p:spPr>
           <a:xfrm>
-            <a:off x="-50328" y="3675206"/>
+            <a:off x="-50328" y="3171150"/>
             <a:ext cx="1224136" cy="902811"/>
           </a:xfrm>
           <a:prstGeom prst="rect">
@@ -10513,7 +10793,7 @@
         </p:nvSpPr>
         <p:spPr>
           <a:xfrm rot="5400000">
-            <a:off x="2270574" y="4965454"/>
+            <a:off x="2270574" y="4461398"/>
             <a:ext cx="360040" cy="902811"/>
           </a:xfrm>
           <a:prstGeom prst="rightArrow">
@@ -10580,8 +10860,8 @@
           </a:p>
         </p:txBody>
       </p:sp>
-      <mc:AlternateContent xmlns:mc="http://schemas.openxmlformats.org/markup-compatibility/2006" xmlns:a14="http://schemas.microsoft.com/office/drawing/2010/main">
-        <mc:Choice Requires="a14">
+      <mc:AlternateContent xmlns:mc="http://schemas.openxmlformats.org/markup-compatibility/2006">
+        <mc:Choice xmlns:a14="http://schemas.microsoft.com/office/drawing/2010/main" Requires="a14">
           <p:sp>
             <p:nvSpPr>
               <p:cNvPr id="13" name="TextBox 12"/>
@@ -10590,7 +10870,7 @@
             </p:nvSpPr>
             <p:spPr>
               <a:xfrm>
-                <a:off x="1045082" y="3147900"/>
+                <a:off x="1045082" y="2643844"/>
                 <a:ext cx="2576998" cy="1751442"/>
               </a:xfrm>
               <a:prstGeom prst="rect">
@@ -11180,7 +11460,7 @@
             </p:txBody>
           </p:sp>
         </mc:Choice>
-        <mc:Fallback xmlns="">
+        <mc:Fallback>
           <p:sp>
             <p:nvSpPr>
               <p:cNvPr id="13" name="TextBox 12"/>
@@ -11191,7 +11471,7 @@
             </p:nvSpPr>
             <p:spPr>
               <a:xfrm>
-                <a:off x="1045082" y="3147900"/>
+                <a:off x="1045082" y="2643844"/>
                 <a:ext cx="2576998" cy="1751442"/>
               </a:xfrm>
               <a:prstGeom prst="rect">
@@ -11232,7 +11512,7 @@
         </p:nvSpPr>
         <p:spPr>
           <a:xfrm>
-            <a:off x="993900" y="5236840"/>
+            <a:off x="993900" y="4732784"/>
             <a:ext cx="2772196" cy="1333698"/>
           </a:xfrm>
           <a:prstGeom prst="rect">
@@ -11365,7 +11645,7 @@
         </p:nvSpPr>
         <p:spPr>
           <a:xfrm>
-            <a:off x="973074" y="7253064"/>
+            <a:off x="973074" y="6749008"/>
             <a:ext cx="3441094" cy="2160240"/>
           </a:xfrm>
           <a:prstGeom prst="rect">
@@ -11443,7 +11723,7 @@
         </p:nvSpPr>
         <p:spPr>
           <a:xfrm>
-            <a:off x="21680" y="8045152"/>
+            <a:off x="21680" y="7541096"/>
             <a:ext cx="1224136" cy="902811"/>
           </a:xfrm>
           <a:prstGeom prst="rect">
@@ -11521,8 +11801,8 @@
           </a:p>
         </p:txBody>
       </p:sp>
-      <mc:AlternateContent xmlns:mc="http://schemas.openxmlformats.org/markup-compatibility/2006" xmlns:a14="http://schemas.microsoft.com/office/drawing/2010/main">
-        <mc:Choice Requires="a14">
+      <mc:AlternateContent xmlns:mc="http://schemas.openxmlformats.org/markup-compatibility/2006">
+        <mc:Choice xmlns:a14="http://schemas.microsoft.com/office/drawing/2010/main" Requires="a14">
           <p:sp>
             <p:nvSpPr>
               <p:cNvPr id="24" name="TextBox 23"/>
@@ -11531,7 +11811,7 @@
             </p:nvSpPr>
             <p:spPr>
               <a:xfrm>
-                <a:off x="1117090" y="7517847"/>
+                <a:off x="1117090" y="7013791"/>
                 <a:ext cx="3153062" cy="1751442"/>
               </a:xfrm>
               <a:prstGeom prst="rect">
@@ -12098,7 +12378,7 @@
             </p:txBody>
           </p:sp>
         </mc:Choice>
-        <mc:Fallback xmlns="">
+        <mc:Fallback>
           <p:sp>
             <p:nvSpPr>
               <p:cNvPr id="24" name="TextBox 23"/>
@@ -12109,7 +12389,7 @@
             </p:nvSpPr>
             <p:spPr>
               <a:xfrm>
-                <a:off x="1117090" y="7517847"/>
+                <a:off x="1117090" y="7013791"/>
                 <a:ext cx="3153062" cy="1751442"/>
               </a:xfrm>
               <a:prstGeom prst="rect">
@@ -12150,7 +12430,7 @@
         </p:nvSpPr>
         <p:spPr>
           <a:xfrm>
-            <a:off x="2181920" y="6244952"/>
+            <a:off x="2181920" y="5740896"/>
             <a:ext cx="1080120" cy="902811"/>
           </a:xfrm>
           <a:prstGeom prst="rect">
@@ -12230,7 +12510,7 @@
         </p:nvSpPr>
         <p:spPr>
           <a:xfrm>
-            <a:off x="9166696" y="5164832"/>
+            <a:off x="9166696" y="4660776"/>
             <a:ext cx="3528392" cy="1333698"/>
           </a:xfrm>
           <a:prstGeom prst="rect">
@@ -12372,7 +12652,7 @@
         </p:nvSpPr>
         <p:spPr>
           <a:xfrm>
-            <a:off x="9181986" y="7253064"/>
+            <a:off x="9181986" y="6749008"/>
             <a:ext cx="3441094" cy="2160240"/>
           </a:xfrm>
           <a:prstGeom prst="rect">
@@ -12450,7 +12730,7 @@
         </p:nvSpPr>
         <p:spPr>
           <a:xfrm>
-            <a:off x="8698644" y="7829128"/>
+            <a:off x="8698644" y="7325072"/>
             <a:ext cx="612068" cy="902811"/>
           </a:xfrm>
           <a:prstGeom prst="rect">
@@ -12528,8 +12808,8 @@
           </a:p>
         </p:txBody>
       </p:sp>
-      <mc:AlternateContent xmlns:mc="http://schemas.openxmlformats.org/markup-compatibility/2006" xmlns:a14="http://schemas.microsoft.com/office/drawing/2010/main">
-        <mc:Choice Requires="a14">
+      <mc:AlternateContent xmlns:mc="http://schemas.openxmlformats.org/markup-compatibility/2006">
+        <mc:Choice xmlns:a14="http://schemas.microsoft.com/office/drawing/2010/main" Requires="a14">
           <p:sp>
             <p:nvSpPr>
               <p:cNvPr id="29" name="TextBox 28"/>
@@ -12538,7 +12818,7 @@
             </p:nvSpPr>
             <p:spPr>
               <a:xfrm>
-                <a:off x="9326002" y="7325072"/>
+                <a:off x="9326002" y="6821016"/>
                 <a:ext cx="3153062" cy="1783309"/>
               </a:xfrm>
               <a:prstGeom prst="rect">
@@ -13105,7 +13385,7 @@
             </p:txBody>
           </p:sp>
         </mc:Choice>
-        <mc:Fallback xmlns="">
+        <mc:Fallback>
           <p:sp>
             <p:nvSpPr>
               <p:cNvPr id="29" name="TextBox 28"/>
@@ -13116,7 +13396,7 @@
             </p:nvSpPr>
             <p:spPr>
               <a:xfrm>
-                <a:off x="9326002" y="7325072"/>
+                <a:off x="9326002" y="6821016"/>
                 <a:ext cx="3153062" cy="1783309"/>
               </a:xfrm>
               <a:prstGeom prst="rect">
@@ -13157,7 +13437,7 @@
         </p:nvSpPr>
         <p:spPr>
           <a:xfrm>
-            <a:off x="9814768" y="6316960"/>
+            <a:off x="9814768" y="5812904"/>
             <a:ext cx="1735290" cy="902811"/>
           </a:xfrm>
           <a:prstGeom prst="rect">
@@ -13237,7 +13517,7 @@
         </p:nvSpPr>
         <p:spPr>
           <a:xfrm>
-            <a:off x="8860661" y="4178682"/>
+            <a:off x="8860661" y="3674626"/>
             <a:ext cx="2394267" cy="902811"/>
           </a:xfrm>
           <a:prstGeom prst="rect">
@@ -13332,7 +13612,7 @@
         </p:nvSpPr>
         <p:spPr>
           <a:xfrm>
-            <a:off x="5458396" y="5236840"/>
+            <a:off x="5458396" y="4732784"/>
             <a:ext cx="2772196" cy="1333698"/>
           </a:xfrm>
           <a:prstGeom prst="rect">
@@ -13465,7 +13745,7 @@
         </p:nvSpPr>
         <p:spPr>
           <a:xfrm>
-            <a:off x="5134248" y="7203598"/>
+            <a:off x="5134248" y="6699542"/>
             <a:ext cx="3564396" cy="2160240"/>
           </a:xfrm>
           <a:prstGeom prst="rect">
@@ -13543,7 +13823,7 @@
         </p:nvSpPr>
         <p:spPr>
           <a:xfrm>
-            <a:off x="6646416" y="6244952"/>
+            <a:off x="6646416" y="5740896"/>
             <a:ext cx="1224136" cy="902811"/>
           </a:xfrm>
           <a:prstGeom prst="rect">
@@ -13623,7 +13903,7 @@
         </p:nvSpPr>
         <p:spPr>
           <a:xfrm>
-            <a:off x="4630192" y="7973144"/>
+            <a:off x="4630192" y="7469088"/>
             <a:ext cx="612068" cy="902811"/>
           </a:xfrm>
           <a:prstGeom prst="rect">
@@ -13695,8 +13975,8 @@
           </a:p>
         </p:txBody>
       </p:sp>
-      <mc:AlternateContent xmlns:mc="http://schemas.openxmlformats.org/markup-compatibility/2006" xmlns:a14="http://schemas.microsoft.com/office/drawing/2010/main">
-        <mc:Choice Requires="a14">
+      <mc:AlternateContent xmlns:mc="http://schemas.openxmlformats.org/markup-compatibility/2006">
+        <mc:Choice xmlns:a14="http://schemas.microsoft.com/office/drawing/2010/main" Requires="a14">
           <p:sp>
             <p:nvSpPr>
               <p:cNvPr id="39" name="TextBox 38"/>
@@ -13705,7 +13985,7 @@
             </p:nvSpPr>
             <p:spPr>
               <a:xfrm>
-                <a:off x="5206256" y="7452447"/>
+                <a:off x="5206256" y="6948391"/>
                 <a:ext cx="2576998" cy="1783309"/>
               </a:xfrm>
               <a:prstGeom prst="rect">
@@ -14310,7 +14590,7 @@
             </p:txBody>
           </p:sp>
         </mc:Choice>
-        <mc:Fallback xmlns="">
+        <mc:Fallback>
           <p:sp>
             <p:nvSpPr>
               <p:cNvPr id="39" name="TextBox 38"/>
@@ -14321,7 +14601,7 @@
             </p:nvSpPr>
             <p:spPr>
               <a:xfrm>
-                <a:off x="5206256" y="7452447"/>
+                <a:off x="5206256" y="6948391"/>
                 <a:ext cx="2576998" cy="1783309"/>
               </a:xfrm>
               <a:prstGeom prst="rect">
@@ -15295,7 +15575,7 @@
         </p:nvSpPr>
         <p:spPr>
           <a:xfrm>
-            <a:off x="6358384" y="7649109"/>
+            <a:off x="6358384" y="7505093"/>
             <a:ext cx="360040" cy="902811"/>
           </a:xfrm>
           <a:prstGeom prst="rightArrow">
@@ -15370,7 +15650,7 @@
         </p:nvSpPr>
         <p:spPr>
           <a:xfrm>
-            <a:off x="2650084" y="5568617"/>
+            <a:off x="2406502" y="5568616"/>
             <a:ext cx="2772196" cy="964367"/>
           </a:xfrm>
           <a:prstGeom prst="rect">
@@ -15450,7 +15730,7 @@
         </p:nvSpPr>
         <p:spPr>
           <a:xfrm>
-            <a:off x="885776" y="7037041"/>
+            <a:off x="885776" y="6893025"/>
             <a:ext cx="5112568" cy="2160240"/>
           </a:xfrm>
           <a:prstGeom prst="rect">
@@ -15528,7 +15808,7 @@
         </p:nvSpPr>
         <p:spPr>
           <a:xfrm>
-            <a:off x="21680" y="7829129"/>
+            <a:off x="21680" y="7685113"/>
             <a:ext cx="1224136" cy="902811"/>
           </a:xfrm>
           <a:prstGeom prst="rect">
@@ -15606,8 +15886,8 @@
           </a:p>
         </p:txBody>
       </p:sp>
-      <mc:AlternateContent xmlns:mc="http://schemas.openxmlformats.org/markup-compatibility/2006" xmlns:a14="http://schemas.microsoft.com/office/drawing/2010/main">
-        <mc:Choice Requires="a14">
+      <mc:AlternateContent xmlns:mc="http://schemas.openxmlformats.org/markup-compatibility/2006">
+        <mc:Choice xmlns:a14="http://schemas.microsoft.com/office/drawing/2010/main" Requires="a14">
           <p:sp>
             <p:nvSpPr>
               <p:cNvPr id="9" name="TextBox 8"/>
@@ -15616,7 +15896,7 @@
             </p:nvSpPr>
             <p:spPr>
               <a:xfrm>
-                <a:off x="777764" y="7301824"/>
+                <a:off x="777764" y="7157808"/>
                 <a:ext cx="5220580" cy="1751442"/>
               </a:xfrm>
               <a:prstGeom prst="rect">
@@ -16371,7 +16651,7 @@
             </p:txBody>
           </p:sp>
         </mc:Choice>
-        <mc:Fallback xmlns="">
+        <mc:Fallback>
           <p:sp>
             <p:nvSpPr>
               <p:cNvPr id="9" name="TextBox 8"/>
@@ -16382,7 +16662,7 @@
             </p:nvSpPr>
             <p:spPr>
               <a:xfrm>
-                <a:off x="777764" y="7301824"/>
+                <a:off x="777764" y="7157808"/>
                 <a:ext cx="5220580" cy="1751442"/>
               </a:xfrm>
               <a:prstGeom prst="rect">
@@ -16423,7 +16703,7 @@
         </p:nvSpPr>
         <p:spPr>
           <a:xfrm>
-            <a:off x="3190032" y="6028929"/>
+            <a:off x="3190032" y="5990213"/>
             <a:ext cx="1080120" cy="902811"/>
           </a:xfrm>
           <a:prstGeom prst="rect">
@@ -16503,7 +16783,7 @@
         </p:nvSpPr>
         <p:spPr>
           <a:xfrm>
-            <a:off x="8374608" y="5524872"/>
+            <a:off x="8086576" y="5524872"/>
             <a:ext cx="1692076" cy="964367"/>
           </a:xfrm>
           <a:prstGeom prst="rect">
@@ -16592,7 +16872,7 @@
         </p:nvSpPr>
         <p:spPr>
           <a:xfrm>
-            <a:off x="7669818" y="6965032"/>
+            <a:off x="7669818" y="6821016"/>
             <a:ext cx="3801134" cy="2160240"/>
           </a:xfrm>
           <a:prstGeom prst="rect">
@@ -16670,7 +16950,7 @@
         </p:nvSpPr>
         <p:spPr>
           <a:xfrm>
-            <a:off x="6790432" y="7757120"/>
+            <a:off x="6790432" y="7613104"/>
             <a:ext cx="1224136" cy="902811"/>
           </a:xfrm>
           <a:prstGeom prst="rect">
@@ -16748,8 +17028,8 @@
           </a:p>
         </p:txBody>
       </p:sp>
-      <mc:AlternateContent xmlns:mc="http://schemas.openxmlformats.org/markup-compatibility/2006" xmlns:a14="http://schemas.microsoft.com/office/drawing/2010/main">
-        <mc:Choice Requires="a14">
+      <mc:AlternateContent xmlns:mc="http://schemas.openxmlformats.org/markup-compatibility/2006">
+        <mc:Choice xmlns:a14="http://schemas.microsoft.com/office/drawing/2010/main" Requires="a14">
           <p:sp>
             <p:nvSpPr>
               <p:cNvPr id="15" name="TextBox 14"/>
@@ -16758,7 +17038,7 @@
             </p:nvSpPr>
             <p:spPr>
               <a:xfrm>
-                <a:off x="7813834" y="7213882"/>
+                <a:off x="7813834" y="7069866"/>
                 <a:ext cx="3657118" cy="1783309"/>
               </a:xfrm>
               <a:prstGeom prst="rect">
@@ -17325,7 +17605,7 @@
             </p:txBody>
           </p:sp>
         </mc:Choice>
-        <mc:Fallback xmlns="">
+        <mc:Fallback>
           <p:sp>
             <p:nvSpPr>
               <p:cNvPr id="15" name="TextBox 14"/>
@@ -17336,7 +17616,7 @@
             </p:nvSpPr>
             <p:spPr>
               <a:xfrm>
-                <a:off x="7813834" y="7213882"/>
+                <a:off x="7813834" y="7069866"/>
                 <a:ext cx="3657118" cy="1783309"/>
               </a:xfrm>
               <a:prstGeom prst="rect">
@@ -17377,7 +17657,7 @@
         </p:nvSpPr>
         <p:spPr>
           <a:xfrm>
-            <a:off x="9276697" y="6020917"/>
+            <a:off x="9276697" y="5876901"/>
             <a:ext cx="1080120" cy="902811"/>
           </a:xfrm>
           <a:prstGeom prst="rect">
@@ -17457,7 +17737,7 @@
         </p:nvSpPr>
         <p:spPr>
           <a:xfrm>
-            <a:off x="4407012" y="8870533"/>
+            <a:off x="4270152" y="6079348"/>
             <a:ext cx="1080120" cy="902811"/>
           </a:xfrm>
           <a:prstGeom prst="rect">
@@ -17537,7 +17817,7 @@
         </p:nvCxnSpPr>
         <p:spPr>
           <a:xfrm>
-            <a:off x="4270152" y="6571699"/>
+            <a:off x="4270152" y="6427683"/>
             <a:ext cx="0" cy="3057629"/>
           </a:xfrm>
           <a:prstGeom prst="line">
@@ -18030,7 +18310,11 @@
           <a:p>
             <a:r>
               <a:rPr lang="en-AU" dirty="0" smtClean="0"/>
-              <a:t>Other Decomposition methods</a:t>
+              <a:t>more</a:t>
+            </a:r>
+            <a:r>
+              <a:rPr lang="en-AU" dirty="0" smtClean="0"/>
+              <a:t> Dimensionality reduction</a:t>
             </a:r>
             <a:endParaRPr lang="en-AU" dirty="0"/>
           </a:p>
@@ -18071,8 +18355,27 @@
           <a:p>
             <a:r>
               <a:rPr lang="en-AU" dirty="0" smtClean="0"/>
-              <a:t>Nonnegative matrix factorization</a:t>
+              <a:t>Nonnegative matrix </a:t>
             </a:r>
+            <a:r>
+              <a:rPr lang="en-AU" dirty="0" smtClean="0"/>
+              <a:t>factorization</a:t>
+            </a:r>
+          </a:p>
+          <a:p>
+            <a:r>
+              <a:rPr lang="en-AU" dirty="0" smtClean="0"/>
+              <a:t>Latent </a:t>
+            </a:r>
+            <a:r>
+              <a:rPr lang="en-AU" dirty="0" err="1" smtClean="0"/>
+              <a:t>Dirichlet</a:t>
+            </a:r>
+            <a:r>
+              <a:rPr lang="en-AU" dirty="0" smtClean="0"/>
+              <a:t> allocation</a:t>
+            </a:r>
+            <a:endParaRPr lang="en-AU" dirty="0" smtClean="0"/>
           </a:p>
           <a:p>
             <a:r>
@@ -18174,7 +18477,15 @@
           <a:p>
             <a:r>
               <a:rPr lang="en-AU" dirty="0" smtClean="0"/>
-              <a:t>Regardless of  type of vector representation, classic use of vector is comparison with other vector</a:t>
+              <a:t>Regardless of </a:t>
+            </a:r>
+            <a:r>
+              <a:rPr lang="en-AU" dirty="0" smtClean="0"/>
+              <a:t>vector </a:t>
+            </a:r>
+            <a:r>
+              <a:rPr lang="en-AU" dirty="0" smtClean="0"/>
+              <a:t>representation, classic use of vector is comparison with other vector</a:t>
             </a:r>
           </a:p>
           <a:p>
@@ -18215,7 +18526,7 @@
         </p:blipFill>
         <p:spPr bwMode="auto">
           <a:xfrm>
-            <a:off x="1245816" y="4588769"/>
+            <a:off x="813768" y="4372744"/>
             <a:ext cx="4752528" cy="4676488"/>
           </a:xfrm>
           <a:prstGeom prst="rect">
@@ -19648,7 +19959,11 @@
           <a:p>
             <a:r>
               <a:rPr lang="en-AU" dirty="0" smtClean="0"/>
-              <a:t>Other Vector similarity metrics</a:t>
+              <a:t>Other </a:t>
+            </a:r>
+            <a:r>
+              <a:rPr lang="en-AU" dirty="0"/>
+              <a:t>metrics for Vector similarity </a:t>
             </a:r>
             <a:endParaRPr lang="en-AU" dirty="0"/>
           </a:p>
@@ -19668,6 +19983,12 @@
         <p:txBody>
           <a:bodyPr/>
           <a:lstStyle/>
+          <a:p>
+            <a:r>
+              <a:rPr lang="en-AU" dirty="0" smtClean="0"/>
+              <a:t>Euclidean</a:t>
+            </a:r>
+          </a:p>
           <a:p>
             <a:r>
               <a:rPr lang="en-AU" dirty="0" err="1" smtClean="0"/>
@@ -19802,8 +20123,13 @@
             </a:r>
             <a:r>
               <a:rPr lang="en-AU" dirty="0" smtClean="0"/>
-              <a:t>n next two lectures we will continue with distributional semantics, looking at some more recent approaches to dimensionality reduction</a:t>
+              <a:t>n the next lecture we will continue with distributional semantics, looking at a recent, state-of-the-art approach to dimensionality reduction using </a:t>
             </a:r>
+            <a:r>
+              <a:rPr lang="en-AU" smtClean="0"/>
+              <a:t>neural networks</a:t>
+            </a:r>
+            <a:endParaRPr lang="en-AU" dirty="0" smtClean="0"/>
           </a:p>
           <a:p>
             <a:endParaRPr lang="en-AU" dirty="0"/>
@@ -26012,14 +26338,25 @@
           <a:p>
             <a:r>
               <a:rPr lang="en-AU" dirty="0" smtClean="0"/>
-              <a:t>Increase marginal probabilities</a:t>
+              <a:t>Counter bias towards rare events</a:t>
             </a:r>
           </a:p>
           <a:p>
             <a:pPr lvl="1"/>
             <a:r>
               <a:rPr lang="en-AU" dirty="0" smtClean="0"/>
-              <a:t>Counter bias for rare events</a:t>
+              <a:t>Artificially increase </a:t>
+            </a:r>
+            <a:r>
+              <a:rPr lang="en-AU" dirty="0"/>
+              <a:t>marginal probabilities</a:t>
+            </a:r>
+          </a:p>
+          <a:p>
+            <a:pPr lvl="1"/>
+            <a:r>
+              <a:rPr lang="en-AU" dirty="0" smtClean="0"/>
+              <a:t>Smooth probabilities</a:t>
             </a:r>
             <a:endParaRPr lang="en-AU" dirty="0"/>
           </a:p>

--- a/slides/WSTA_L9_distributional_semantics.pptx
+++ b/slides/WSTA_L9_distributional_semantics.pptx
@@ -895,7 +895,7 @@
           </a:ln>
           <a:extLst>
             <a:ext uri="{C572A759-6A51-4108-AA02-DFA0A04FC94B}">
-              <ma14:wrappingTextBoxFlag xmlns="" xmlns:ma14="http://schemas.microsoft.com/office/mac/drawingml/2011/main" val="1"/>
+              <ma14:wrappingTextBoxFlag xmlns:ma14="http://schemas.microsoft.com/office/mac/drawingml/2011/main" xmlns="" val="1"/>
             </a:ext>
           </a:extLst>
         </p:spPr>
@@ -2573,7 +2573,7 @@
           </a:ln>
           <a:extLst>
             <a:ext uri="{C572A759-6A51-4108-AA02-DFA0A04FC94B}">
-              <ma14:wrappingTextBoxFlag xmlns="" xmlns:ma14="http://schemas.microsoft.com/office/mac/drawingml/2011/main" val="1"/>
+              <ma14:wrappingTextBoxFlag xmlns:ma14="http://schemas.microsoft.com/office/mac/drawingml/2011/main" xmlns="" val="1"/>
             </a:ext>
           </a:extLst>
         </p:spPr>
@@ -2613,7 +2613,7 @@
           </a:ln>
           <a:extLst>
             <a:ext uri="{C572A759-6A51-4108-AA02-DFA0A04FC94B}">
-              <ma14:wrappingTextBoxFlag xmlns="" xmlns:ma14="http://schemas.microsoft.com/office/mac/drawingml/2011/main" val="1"/>
+              <ma14:wrappingTextBoxFlag xmlns:ma14="http://schemas.microsoft.com/office/mac/drawingml/2011/main" xmlns="" val="1"/>
             </a:ext>
           </a:extLst>
         </p:spPr>
@@ -9430,8 +9430,8 @@
           </a:p>
         </p:txBody>
       </p:sp>
-      <mc:AlternateContent xmlns:mc="http://schemas.openxmlformats.org/markup-compatibility/2006">
-        <mc:Choice xmlns:a14="http://schemas.microsoft.com/office/drawing/2010/main" Requires="a14">
+      <mc:AlternateContent xmlns:mc="http://schemas.openxmlformats.org/markup-compatibility/2006" xmlns:a14="http://schemas.microsoft.com/office/drawing/2010/main">
+        <mc:Choice Requires="a14">
           <p:sp>
             <p:nvSpPr>
               <p:cNvPr id="11" name="TextBox 10"/>
@@ -9736,7 +9736,7 @@
             </p:txBody>
           </p:sp>
         </mc:Choice>
-        <mc:Fallback>
+        <mc:Fallback xmlns="">
           <p:sp>
             <p:nvSpPr>
               <p:cNvPr id="11" name="TextBox 10"/>
@@ -10268,8 +10268,8 @@
           </a:p>
         </p:txBody>
       </p:sp>
-      <mc:AlternateContent xmlns:mc="http://schemas.openxmlformats.org/markup-compatibility/2006">
-        <mc:Choice xmlns:a14="http://schemas.microsoft.com/office/drawing/2010/main" Requires="a14">
+      <mc:AlternateContent xmlns:mc="http://schemas.openxmlformats.org/markup-compatibility/2006" xmlns:a14="http://schemas.microsoft.com/office/drawing/2010/main">
+        <mc:Choice Requires="a14">
           <p:sp>
             <p:nvSpPr>
               <p:cNvPr id="7" name="TextBox 6"/>
@@ -10445,7 +10445,7 @@
             </p:txBody>
           </p:sp>
         </mc:Choice>
-        <mc:Fallback>
+        <mc:Fallback xmlns="">
           <p:sp>
             <p:nvSpPr>
               <p:cNvPr id="7" name="TextBox 6"/>
@@ -10860,8 +10860,8 @@
           </a:p>
         </p:txBody>
       </p:sp>
-      <mc:AlternateContent xmlns:mc="http://schemas.openxmlformats.org/markup-compatibility/2006">
-        <mc:Choice xmlns:a14="http://schemas.microsoft.com/office/drawing/2010/main" Requires="a14">
+      <mc:AlternateContent xmlns:mc="http://schemas.openxmlformats.org/markup-compatibility/2006" xmlns:a14="http://schemas.microsoft.com/office/drawing/2010/main">
+        <mc:Choice Requires="a14">
           <p:sp>
             <p:nvSpPr>
               <p:cNvPr id="13" name="TextBox 12"/>
@@ -11460,7 +11460,7 @@
             </p:txBody>
           </p:sp>
         </mc:Choice>
-        <mc:Fallback>
+        <mc:Fallback xmlns="">
           <p:sp>
             <p:nvSpPr>
               <p:cNvPr id="13" name="TextBox 12"/>
@@ -11801,8 +11801,8 @@
           </a:p>
         </p:txBody>
       </p:sp>
-      <mc:AlternateContent xmlns:mc="http://schemas.openxmlformats.org/markup-compatibility/2006">
-        <mc:Choice xmlns:a14="http://schemas.microsoft.com/office/drawing/2010/main" Requires="a14">
+      <mc:AlternateContent xmlns:mc="http://schemas.openxmlformats.org/markup-compatibility/2006" xmlns:a14="http://schemas.microsoft.com/office/drawing/2010/main">
+        <mc:Choice Requires="a14">
           <p:sp>
             <p:nvSpPr>
               <p:cNvPr id="24" name="TextBox 23"/>
@@ -12378,7 +12378,7 @@
             </p:txBody>
           </p:sp>
         </mc:Choice>
-        <mc:Fallback>
+        <mc:Fallback xmlns="">
           <p:sp>
             <p:nvSpPr>
               <p:cNvPr id="24" name="TextBox 23"/>
@@ -12808,8 +12808,8 @@
           </a:p>
         </p:txBody>
       </p:sp>
-      <mc:AlternateContent xmlns:mc="http://schemas.openxmlformats.org/markup-compatibility/2006">
-        <mc:Choice xmlns:a14="http://schemas.microsoft.com/office/drawing/2010/main" Requires="a14">
+      <mc:AlternateContent xmlns:mc="http://schemas.openxmlformats.org/markup-compatibility/2006" xmlns:a14="http://schemas.microsoft.com/office/drawing/2010/main">
+        <mc:Choice Requires="a14">
           <p:sp>
             <p:nvSpPr>
               <p:cNvPr id="29" name="TextBox 28"/>
@@ -13385,7 +13385,7 @@
             </p:txBody>
           </p:sp>
         </mc:Choice>
-        <mc:Fallback>
+        <mc:Fallback xmlns="">
           <p:sp>
             <p:nvSpPr>
               <p:cNvPr id="29" name="TextBox 28"/>
@@ -13975,8 +13975,8 @@
           </a:p>
         </p:txBody>
       </p:sp>
-      <mc:AlternateContent xmlns:mc="http://schemas.openxmlformats.org/markup-compatibility/2006">
-        <mc:Choice xmlns:a14="http://schemas.microsoft.com/office/drawing/2010/main" Requires="a14">
+      <mc:AlternateContent xmlns:mc="http://schemas.openxmlformats.org/markup-compatibility/2006" xmlns:a14="http://schemas.microsoft.com/office/drawing/2010/main">
+        <mc:Choice Requires="a14">
           <p:sp>
             <p:nvSpPr>
               <p:cNvPr id="39" name="TextBox 38"/>
@@ -14590,7 +14590,7 @@
             </p:txBody>
           </p:sp>
         </mc:Choice>
-        <mc:Fallback>
+        <mc:Fallback xmlns="">
           <p:sp>
             <p:nvSpPr>
               <p:cNvPr id="39" name="TextBox 38"/>
@@ -15886,8 +15886,8 @@
           </a:p>
         </p:txBody>
       </p:sp>
-      <mc:AlternateContent xmlns:mc="http://schemas.openxmlformats.org/markup-compatibility/2006">
-        <mc:Choice xmlns:a14="http://schemas.microsoft.com/office/drawing/2010/main" Requires="a14">
+      <mc:AlternateContent xmlns:mc="http://schemas.openxmlformats.org/markup-compatibility/2006" xmlns:a14="http://schemas.microsoft.com/office/drawing/2010/main">
+        <mc:Choice Requires="a14">
           <p:sp>
             <p:nvSpPr>
               <p:cNvPr id="9" name="TextBox 8"/>
@@ -16651,7 +16651,7 @@
             </p:txBody>
           </p:sp>
         </mc:Choice>
-        <mc:Fallback>
+        <mc:Fallback xmlns="">
           <p:sp>
             <p:nvSpPr>
               <p:cNvPr id="9" name="TextBox 8"/>
@@ -17028,8 +17028,8 @@
           </a:p>
         </p:txBody>
       </p:sp>
-      <mc:AlternateContent xmlns:mc="http://schemas.openxmlformats.org/markup-compatibility/2006">
-        <mc:Choice xmlns:a14="http://schemas.microsoft.com/office/drawing/2010/main" Requires="a14">
+      <mc:AlternateContent xmlns:mc="http://schemas.openxmlformats.org/markup-compatibility/2006" xmlns:a14="http://schemas.microsoft.com/office/drawing/2010/main">
+        <mc:Choice Requires="a14">
           <p:sp>
             <p:nvSpPr>
               <p:cNvPr id="15" name="TextBox 14"/>
@@ -17605,7 +17605,7 @@
             </p:txBody>
           </p:sp>
         </mc:Choice>
-        <mc:Fallback>
+        <mc:Fallback xmlns="">
           <p:sp>
             <p:nvSpPr>
               <p:cNvPr id="15" name="TextBox 14"/>
@@ -18310,11 +18310,7 @@
           <a:p>
             <a:r>
               <a:rPr lang="en-AU" dirty="0" smtClean="0"/>
-              <a:t>more</a:t>
-            </a:r>
-            <a:r>
-              <a:rPr lang="en-AU" dirty="0" smtClean="0"/>
-              <a:t> Dimensionality reduction</a:t>
+              <a:t>more Dimensionality reduction</a:t>
             </a:r>
             <a:endParaRPr lang="en-AU" dirty="0"/>
           </a:p>
@@ -18355,11 +18351,7 @@
           <a:p>
             <a:r>
               <a:rPr lang="en-AU" dirty="0" smtClean="0"/>
-              <a:t>Nonnegative matrix </a:t>
-            </a:r>
-            <a:r>
-              <a:rPr lang="en-AU" dirty="0" smtClean="0"/>
-              <a:t>factorization</a:t>
+              <a:t>Nonnegative matrix factorization</a:t>
             </a:r>
           </a:p>
           <a:p>
@@ -18375,7 +18367,6 @@
               <a:rPr lang="en-AU" dirty="0" smtClean="0"/>
               <a:t> allocation</a:t>
             </a:r>
-            <a:endParaRPr lang="en-AU" dirty="0" smtClean="0"/>
           </a:p>
           <a:p>
             <a:r>
@@ -18477,15 +18468,7 @@
           <a:p>
             <a:r>
               <a:rPr lang="en-AU" dirty="0" smtClean="0"/>
-              <a:t>Regardless of </a:t>
-            </a:r>
-            <a:r>
-              <a:rPr lang="en-AU" dirty="0" smtClean="0"/>
-              <a:t>vector </a:t>
-            </a:r>
-            <a:r>
-              <a:rPr lang="en-AU" dirty="0" smtClean="0"/>
-              <a:t>representation, classic use of vector is comparison with other vector</a:t>
+              <a:t>Regardless of vector representation, classic use of vector is comparison with other vector</a:t>
             </a:r>
           </a:p>
           <a:p>
@@ -19965,7 +19948,6 @@
               <a:rPr lang="en-AU" dirty="0"/>
               <a:t>metrics for Vector similarity </a:t>
             </a:r>
-            <a:endParaRPr lang="en-AU" dirty="0"/>
           </a:p>
         </p:txBody>
       </p:sp>
@@ -20216,8 +20198,25 @@
           <a:p>
             <a:r>
               <a:rPr lang="en-AU" dirty="0" smtClean="0"/>
-              <a:t>J&amp;M3, 19.1-19.5</a:t>
+              <a:t>J&amp;M3, </a:t>
             </a:r>
+            <a:r>
+              <a:rPr lang="en-AU" dirty="0" err="1" smtClean="0"/>
+              <a:t>Ch</a:t>
+            </a:r>
+            <a:r>
+              <a:rPr lang="en-AU" dirty="0" smtClean="0"/>
+              <a:t> 15, J&amp;M3 </a:t>
+            </a:r>
+            <a:r>
+              <a:rPr lang="en-AU" dirty="0" err="1" smtClean="0"/>
+              <a:t>Ch</a:t>
+            </a:r>
+            <a:r>
+              <a:rPr lang="en-AU" smtClean="0"/>
+              <a:t> 16.1</a:t>
+            </a:r>
+            <a:endParaRPr lang="en-AU" dirty="0" smtClean="0"/>
           </a:p>
           <a:p>
             <a:r>
@@ -26317,7 +26316,15 @@
           <a:p>
             <a:r>
               <a:rPr lang="en-AU" dirty="0" smtClean="0"/>
-              <a:t>Drop all negative values (PPMI)</a:t>
+              <a:t>Zero</a:t>
+            </a:r>
+            <a:r>
+              <a:rPr lang="en-AU" dirty="0" smtClean="0"/>
+              <a:t> </a:t>
+            </a:r>
+            <a:r>
+              <a:rPr lang="en-AU" dirty="0" smtClean="0"/>
+              <a:t>all negative values (PPMI)</a:t>
             </a:r>
           </a:p>
           <a:p>

--- a/slides/WSTA_L9_distributional_semantics.pptx
+++ b/slides/WSTA_L9_distributional_semantics.pptx
@@ -895,7 +895,7 @@
           </a:ln>
           <a:extLst>
             <a:ext uri="{C572A759-6A51-4108-AA02-DFA0A04FC94B}">
-              <ma14:wrappingTextBoxFlag xmlns:ma14="http://schemas.microsoft.com/office/mac/drawingml/2011/main" xmlns="" val="1"/>
+              <ma14:wrappingTextBoxFlag xmlns="" xmlns:ma14="http://schemas.microsoft.com/office/mac/drawingml/2011/main" val="1"/>
             </a:ext>
           </a:extLst>
         </p:spPr>
@@ -2573,7 +2573,7 @@
           </a:ln>
           <a:extLst>
             <a:ext uri="{C572A759-6A51-4108-AA02-DFA0A04FC94B}">
-              <ma14:wrappingTextBoxFlag xmlns:ma14="http://schemas.microsoft.com/office/mac/drawingml/2011/main" xmlns="" val="1"/>
+              <ma14:wrappingTextBoxFlag xmlns="" xmlns:ma14="http://schemas.microsoft.com/office/mac/drawingml/2011/main" val="1"/>
             </a:ext>
           </a:extLst>
         </p:spPr>
@@ -2613,7 +2613,7 @@
           </a:ln>
           <a:extLst>
             <a:ext uri="{C572A759-6A51-4108-AA02-DFA0A04FC94B}">
-              <ma14:wrappingTextBoxFlag xmlns:ma14="http://schemas.microsoft.com/office/mac/drawingml/2011/main" xmlns="" val="1"/>
+              <ma14:wrappingTextBoxFlag xmlns="" xmlns:ma14="http://schemas.microsoft.com/office/mac/drawingml/2011/main" val="1"/>
             </a:ext>
           </a:extLst>
         </p:spPr>
@@ -3716,7 +3716,15 @@
           <a:p>
             <a:r>
               <a:rPr lang="en-AU" dirty="0" smtClean="0"/>
-              <a:t>COMP90042 LECTURE 5 </a:t>
+              <a:t>COMP90042 </a:t>
+            </a:r>
+            <a:r>
+              <a:rPr lang="en-AU" smtClean="0"/>
+              <a:t>LECTURE </a:t>
+            </a:r>
+            <a:r>
+              <a:rPr lang="en-AU" smtClean="0"/>
+              <a:t>9 </a:t>
             </a:r>
             <a:endParaRPr dirty="0"/>
           </a:p>
@@ -26316,15 +26324,7 @@
           <a:p>
             <a:r>
               <a:rPr lang="en-AU" dirty="0" smtClean="0"/>
-              <a:t>Zero</a:t>
-            </a:r>
-            <a:r>
-              <a:rPr lang="en-AU" dirty="0" smtClean="0"/>
-              <a:t> </a:t>
-            </a:r>
-            <a:r>
-              <a:rPr lang="en-AU" dirty="0" smtClean="0"/>
-              <a:t>all negative values (PPMI)</a:t>
+              <a:t>Zero all negative values (PPMI)</a:t>
             </a:r>
           </a:p>
           <a:p>
